--- a/project IBM presentation.pptx
+++ b/project IBM presentation.pptx
@@ -213,7 +213,7 @@
             <a:fld id="{7774BEB5-4E42-44DC-AA77-BD7202D2E1D1}" type="datetimeFigureOut">
               <a:rPr lang="en-US" smtClean="0"/>
               <a:pPr/>
-              <a:t>08/27/2019</a:t>
+              <a:t>08/28/2019</a:t>
             </a:fld>
             <a:endParaRPr lang="en-US"/>
           </a:p>
@@ -724,7 +724,7 @@
             <a:fld id="{D8D4C923-65D0-4382-8580-63E803B14E5E}" type="datetime1">
               <a:rPr lang="en-US" smtClean="0"/>
               <a:pPr/>
-              <a:t>08/27/2019</a:t>
+              <a:t>08/28/2019</a:t>
             </a:fld>
             <a:endParaRPr lang="en-US"/>
           </a:p>
@@ -934,7 +934,7 @@
             <a:fld id="{A693AE8B-2A77-4DBC-9B44-357232F93EA9}" type="datetime1">
               <a:rPr lang="en-US" smtClean="0"/>
               <a:pPr/>
-              <a:t>08/27/2019</a:t>
+              <a:t>08/28/2019</a:t>
             </a:fld>
             <a:endParaRPr lang="en-US"/>
           </a:p>
@@ -1134,7 +1134,7 @@
             <a:fld id="{50165EB5-3CEA-4E26-8491-0E3D9AE19531}" type="datetime1">
               <a:rPr lang="en-US" smtClean="0"/>
               <a:pPr/>
-              <a:t>08/27/2019</a:t>
+              <a:t>08/28/2019</a:t>
             </a:fld>
             <a:endParaRPr lang="en-US"/>
           </a:p>
@@ -1410,7 +1410,7 @@
             <a:fld id="{1392747F-5A6D-4919-A5D4-67B7A5BDC849}" type="datetime1">
               <a:rPr lang="en-US" smtClean="0"/>
               <a:pPr/>
-              <a:t>08/27/2019</a:t>
+              <a:t>08/28/2019</a:t>
             </a:fld>
             <a:endParaRPr lang="en-US"/>
           </a:p>
@@ -1672,7 +1672,7 @@
             <a:fld id="{8C1FE74D-6B11-43D4-9757-49A19F415667}" type="datetime1">
               <a:rPr lang="en-US" smtClean="0"/>
               <a:pPr/>
-              <a:t>08/27/2019</a:t>
+              <a:t>08/28/2019</a:t>
             </a:fld>
             <a:endParaRPr lang="en-US"/>
           </a:p>
@@ -2069,7 +2069,7 @@
             <a:fld id="{13DB4039-61FB-4AFA-8471-83F4A9631F45}" type="datetime1">
               <a:rPr lang="en-US" smtClean="0"/>
               <a:pPr/>
-              <a:t>08/27/2019</a:t>
+              <a:t>08/28/2019</a:t>
             </a:fld>
             <a:endParaRPr lang="en-US"/>
           </a:p>
@@ -2217,7 +2217,7 @@
             <a:fld id="{C3037C09-ACE5-4E0A-874E-9279D0F40B40}" type="datetime1">
               <a:rPr lang="en-US" smtClean="0"/>
               <a:pPr/>
-              <a:t>08/27/2019</a:t>
+              <a:t>08/28/2019</a:t>
             </a:fld>
             <a:endParaRPr lang="en-US"/>
           </a:p>
@@ -2342,7 +2342,7 @@
             <a:fld id="{D2D2A382-5FD4-49D1-990C-10FB41ECDB19}" type="datetime1">
               <a:rPr lang="en-US" smtClean="0"/>
               <a:pPr/>
-              <a:t>08/27/2019</a:t>
+              <a:t>08/28/2019</a:t>
             </a:fld>
             <a:endParaRPr lang="en-US"/>
           </a:p>
@@ -2649,7 +2649,7 @@
             <a:fld id="{ADB3A2DE-01AF-4BC6-8F6D-B1E8B12F8BBB}" type="datetime1">
               <a:rPr lang="en-US" smtClean="0"/>
               <a:pPr/>
-              <a:t>08/27/2019</a:t>
+              <a:t>08/28/2019</a:t>
             </a:fld>
             <a:endParaRPr lang="en-US"/>
           </a:p>
@@ -2932,7 +2932,7 @@
             <a:fld id="{84A3E181-9ECF-416B-A762-FFA3A085B5AB}" type="datetime1">
               <a:rPr lang="en-US" smtClean="0"/>
               <a:pPr/>
-              <a:t>08/27/2019</a:t>
+              <a:t>08/28/2019</a:t>
             </a:fld>
             <a:endParaRPr lang="en-US"/>
           </a:p>
@@ -4231,7 +4231,7 @@
         <p:spPr>
           <a:xfrm>
             <a:off x="685800" y="1066800"/>
-            <a:ext cx="7239000" cy="5684313"/>
+            <a:ext cx="7239000" cy="4022320"/>
           </a:xfrm>
           <a:prstGeom prst="rect">
             <a:avLst/>
@@ -4369,86 +4369,26 @@
             </a:r>
           </a:p>
           <a:p>
+            <a:r>
+              <a:rPr lang="en-US" dirty="0"/>
+              <a:t>● Coverage, missing values: treating unknown </a:t>
+            </a:r>
+            <a:r>
+              <a:rPr lang="en-US" dirty="0" smtClean="0"/>
+              <a:t>values</a:t>
+            </a:r>
+          </a:p>
+          <a:p>
+            <a:endParaRPr lang="en-US" dirty="0"/>
+          </a:p>
+          <a:p>
+            <a:r>
+              <a:rPr lang="en-US" dirty="0"/>
+              <a:t>● Outliers: detect and treat values that are distant from other observations</a:t>
+            </a:r>
+          </a:p>
+          <a:p>
             <a:endParaRPr lang="en-GB" b="1" dirty="0" smtClean="0"/>
-          </a:p>
-          <a:p>
-            <a:r>
-              <a:rPr lang="en-GB" b="1" dirty="0" smtClean="0"/>
-              <a:t>Machine </a:t>
-            </a:r>
-            <a:r>
-              <a:rPr lang="en-GB" b="1" dirty="0"/>
-              <a:t>Learning Algorithms: </a:t>
-            </a:r>
-            <a:endParaRPr lang="en-US" dirty="0"/>
-          </a:p>
-          <a:p>
-            <a:endParaRPr lang="en-GB" dirty="0" smtClean="0"/>
-          </a:p>
-          <a:p>
-            <a:r>
-              <a:rPr lang="en-GB" dirty="0" smtClean="0"/>
-              <a:t>Clustering </a:t>
-            </a:r>
-            <a:r>
-              <a:rPr lang="en-GB" dirty="0"/>
-              <a:t>: K-Means Clustering</a:t>
-            </a:r>
-            <a:endParaRPr lang="en-US" dirty="0"/>
-          </a:p>
-          <a:p>
-            <a:r>
-              <a:rPr lang="en-GB" dirty="0"/>
-              <a:t>Find the clusters by minimizing distances of cluster </a:t>
-            </a:r>
-            <a:r>
-              <a:rPr lang="en-GB" dirty="0" err="1"/>
-              <a:t>centers</a:t>
-            </a:r>
-            <a:r>
-              <a:rPr lang="en-GB" dirty="0"/>
-              <a:t> to data.</a:t>
-            </a:r>
-            <a:endParaRPr lang="en-US" dirty="0"/>
-          </a:p>
-          <a:p>
-            <a:r>
-              <a:rPr lang="en-GB" dirty="0"/>
-              <a:t>Algorithm:</a:t>
-            </a:r>
-            <a:endParaRPr lang="en-US" dirty="0"/>
-          </a:p>
-          <a:p>
-            <a:r>
-              <a:rPr lang="en-GB" dirty="0"/>
-              <a:t>• Instantiate k distinct random guesses 𝜇- of the cluster </a:t>
-            </a:r>
-            <a:r>
-              <a:rPr lang="en-GB" dirty="0" err="1"/>
-              <a:t>centers</a:t>
-            </a:r>
-            <a:endParaRPr lang="en-US" dirty="0"/>
-          </a:p>
-          <a:p>
-            <a:r>
-              <a:rPr lang="en-GB" dirty="0"/>
-              <a:t>• Each data point classifies itself as the 𝜇- it is closest to it</a:t>
-            </a:r>
-            <a:endParaRPr lang="en-US" dirty="0"/>
-          </a:p>
-          <a:p>
-            <a:r>
-              <a:rPr lang="en-GB" dirty="0"/>
-              <a:t>• Each 𝜇- finds the centroid of the points that were closest to it and</a:t>
-            </a:r>
-            <a:endParaRPr lang="en-US" dirty="0"/>
-          </a:p>
-          <a:p>
-            <a:r>
-              <a:rPr lang="en-GB" dirty="0"/>
-              <a:t>jumps there</a:t>
-            </a:r>
-            <a:endParaRPr lang="en-US" dirty="0"/>
           </a:p>
           <a:p>
             <a:r>
